--- a/08 UML основы.pptx
+++ b/08 UML основы.pptx
@@ -216,10 +216,6 @@
 </p:presentation>
 </file>
 
-<file path=ppt/revisionInfo.xml><?xml version="1.0" encoding="utf-8"?>
-<p1510:revInfo xmlns:a="http://schemas.openxmlformats.org/drawingml/2006/main" xmlns:r="http://schemas.openxmlformats.org/officeDocument/2006/relationships" xmlns:p1510="http://schemas.microsoft.com/office/powerpoint/2015/10/main"/>
-</file>
-
 <file path=ppt/slideLayouts/slideLayout1.xml><?xml version="1.0" encoding="utf-8"?>
 <p:sldLayout xmlns:a="http://schemas.openxmlformats.org/drawingml/2006/main" xmlns:r="http://schemas.openxmlformats.org/officeDocument/2006/relationships" xmlns:p="http://schemas.openxmlformats.org/presentationml/2006/main" type="title" preserve="1">
   <p:cSld name="Титульный слайд">
@@ -399,7 +395,7 @@
           <a:p>
             <a:fld id="{71BD2C0E-1A90-498D-8137-FF9382E98B75}" type="datetimeFigureOut">
               <a:rPr lang="ru-RU" smtClean="0"/>
-              <a:t>24.10.2017</a:t>
+              <a:t>07.11.2018</a:t>
             </a:fld>
             <a:endParaRPr lang="ru-RU"/>
           </a:p>
@@ -567,7 +563,7 @@
           <a:p>
             <a:fld id="{71BD2C0E-1A90-498D-8137-FF9382E98B75}" type="datetimeFigureOut">
               <a:rPr lang="ru-RU" smtClean="0"/>
-              <a:t>24.10.2017</a:t>
+              <a:t>07.11.2018</a:t>
             </a:fld>
             <a:endParaRPr lang="ru-RU"/>
           </a:p>
@@ -745,7 +741,7 @@
           <a:p>
             <a:fld id="{71BD2C0E-1A90-498D-8137-FF9382E98B75}" type="datetimeFigureOut">
               <a:rPr lang="ru-RU" smtClean="0"/>
-              <a:t>24.10.2017</a:t>
+              <a:t>07.11.2018</a:t>
             </a:fld>
             <a:endParaRPr lang="ru-RU"/>
           </a:p>
@@ -913,7 +909,7 @@
           <a:p>
             <a:fld id="{71BD2C0E-1A90-498D-8137-FF9382E98B75}" type="datetimeFigureOut">
               <a:rPr lang="ru-RU" smtClean="0"/>
-              <a:t>24.10.2017</a:t>
+              <a:t>07.11.2018</a:t>
             </a:fld>
             <a:endParaRPr lang="ru-RU"/>
           </a:p>
@@ -1158,7 +1154,7 @@
           <a:p>
             <a:fld id="{71BD2C0E-1A90-498D-8137-FF9382E98B75}" type="datetimeFigureOut">
               <a:rPr lang="ru-RU" smtClean="0"/>
-              <a:t>24.10.2017</a:t>
+              <a:t>07.11.2018</a:t>
             </a:fld>
             <a:endParaRPr lang="ru-RU"/>
           </a:p>
@@ -1443,7 +1439,7 @@
           <a:p>
             <a:fld id="{71BD2C0E-1A90-498D-8137-FF9382E98B75}" type="datetimeFigureOut">
               <a:rPr lang="ru-RU" smtClean="0"/>
-              <a:t>24.10.2017</a:t>
+              <a:t>07.11.2018</a:t>
             </a:fld>
             <a:endParaRPr lang="ru-RU"/>
           </a:p>
@@ -1862,7 +1858,7 @@
           <a:p>
             <a:fld id="{71BD2C0E-1A90-498D-8137-FF9382E98B75}" type="datetimeFigureOut">
               <a:rPr lang="ru-RU" smtClean="0"/>
-              <a:t>24.10.2017</a:t>
+              <a:t>07.11.2018</a:t>
             </a:fld>
             <a:endParaRPr lang="ru-RU"/>
           </a:p>
@@ -1979,7 +1975,7 @@
           <a:p>
             <a:fld id="{71BD2C0E-1A90-498D-8137-FF9382E98B75}" type="datetimeFigureOut">
               <a:rPr lang="ru-RU" smtClean="0"/>
-              <a:t>24.10.2017</a:t>
+              <a:t>07.11.2018</a:t>
             </a:fld>
             <a:endParaRPr lang="ru-RU"/>
           </a:p>
@@ -2074,7 +2070,7 @@
           <a:p>
             <a:fld id="{71BD2C0E-1A90-498D-8137-FF9382E98B75}" type="datetimeFigureOut">
               <a:rPr lang="ru-RU" smtClean="0"/>
-              <a:t>24.10.2017</a:t>
+              <a:t>07.11.2018</a:t>
             </a:fld>
             <a:endParaRPr lang="ru-RU"/>
           </a:p>
@@ -2349,7 +2345,7 @@
           <a:p>
             <a:fld id="{71BD2C0E-1A90-498D-8137-FF9382E98B75}" type="datetimeFigureOut">
               <a:rPr lang="ru-RU" smtClean="0"/>
-              <a:t>24.10.2017</a:t>
+              <a:t>07.11.2018</a:t>
             </a:fld>
             <a:endParaRPr lang="ru-RU"/>
           </a:p>
@@ -2601,7 +2597,7 @@
           <a:p>
             <a:fld id="{71BD2C0E-1A90-498D-8137-FF9382E98B75}" type="datetimeFigureOut">
               <a:rPr lang="ru-RU" smtClean="0"/>
-              <a:t>24.10.2017</a:t>
+              <a:t>07.11.2018</a:t>
             </a:fld>
             <a:endParaRPr lang="ru-RU"/>
           </a:p>
@@ -2812,7 +2808,7 @@
           <a:p>
             <a:fld id="{71BD2C0E-1A90-498D-8137-FF9382E98B75}" type="datetimeFigureOut">
               <a:rPr lang="ru-RU" smtClean="0"/>
-              <a:t>24.10.2017</a:t>
+              <a:t>07.11.2018</a:t>
             </a:fld>
             <a:endParaRPr lang="ru-RU"/>
           </a:p>
@@ -3203,7 +3199,7 @@
           <a:lstStyle/>
           <a:p>
             <a:r>
-              <a:rPr lang="ru-RU" dirty="0" smtClean="0"/>
+              <a:rPr lang="ru-RU" dirty="0"/>
               <a:t>Сегодня на лекции</a:t>
             </a:r>
             <a:endParaRPr lang="en-US" dirty="0"/>
@@ -3228,82 +3224,82 @@
           <a:lstStyle/>
           <a:p>
             <a:r>
-              <a:rPr lang="ru-RU" dirty="0" smtClean="0"/>
+              <a:rPr lang="ru-RU" dirty="0"/>
               <a:t>Цель</a:t>
             </a:r>
           </a:p>
           <a:p>
             <a:pPr lvl="1"/>
             <a:r>
-              <a:rPr lang="ru-RU" dirty="0" smtClean="0"/>
+              <a:rPr lang="ru-RU" dirty="0"/>
               <a:t>Ознакомиться с инструментарием языка </a:t>
             </a:r>
             <a:r>
-              <a:rPr lang="en-US" dirty="0" smtClean="0"/>
+              <a:rPr lang="en-US" dirty="0"/>
               <a:t>UML</a:t>
             </a:r>
-            <a:endParaRPr lang="ru-RU" dirty="0" smtClean="0"/>
-          </a:p>
-          <a:p>
-            <a:r>
-              <a:rPr lang="ru-RU" dirty="0" smtClean="0"/>
+            <a:endParaRPr lang="ru-RU" dirty="0"/>
+          </a:p>
+          <a:p>
+            <a:r>
+              <a:rPr lang="ru-RU" dirty="0"/>
               <a:t>План</a:t>
             </a:r>
           </a:p>
           <a:p>
             <a:pPr lvl="1"/>
             <a:r>
-              <a:rPr lang="ru-RU" dirty="0" smtClean="0"/>
+              <a:rPr lang="ru-RU" dirty="0"/>
               <a:t>Что такое </a:t>
             </a:r>
             <a:r>
-              <a:rPr lang="en-US" dirty="0" smtClean="0"/>
+              <a:rPr lang="en-US" dirty="0"/>
               <a:t>UML?</a:t>
             </a:r>
           </a:p>
           <a:p>
             <a:pPr lvl="1"/>
             <a:r>
-              <a:rPr lang="ru-RU" dirty="0" smtClean="0"/>
+              <a:rPr lang="ru-RU" dirty="0"/>
               <a:t>Нотация </a:t>
             </a:r>
             <a:r>
-              <a:rPr lang="en-US" dirty="0" smtClean="0"/>
+              <a:rPr lang="en-US" dirty="0"/>
               <a:t>UML</a:t>
             </a:r>
           </a:p>
           <a:p>
             <a:pPr lvl="1"/>
             <a:r>
-              <a:rPr lang="ru-RU" dirty="0" smtClean="0"/>
+              <a:rPr lang="ru-RU" dirty="0"/>
               <a:t>Модель и ее элементы</a:t>
             </a:r>
           </a:p>
           <a:p>
             <a:pPr lvl="2"/>
             <a:r>
-              <a:rPr lang="ru-RU" dirty="0" smtClean="0"/>
+              <a:rPr lang="ru-RU" dirty="0"/>
               <a:t>Типы сущностей</a:t>
             </a:r>
           </a:p>
           <a:p>
             <a:pPr lvl="2"/>
             <a:r>
-              <a:rPr lang="ru-RU" dirty="0" smtClean="0"/>
+              <a:rPr lang="ru-RU" dirty="0"/>
               <a:t>Типы отношений</a:t>
             </a:r>
           </a:p>
           <a:p>
             <a:pPr lvl="2"/>
             <a:r>
-              <a:rPr lang="ru-RU" dirty="0" smtClean="0"/>
+              <a:rPr lang="ru-RU" dirty="0"/>
               <a:t>Типы диаграмм</a:t>
             </a:r>
           </a:p>
           <a:p>
             <a:pPr lvl="1"/>
             <a:r>
-              <a:rPr lang="ru-RU" dirty="0" smtClean="0"/>
+              <a:rPr lang="ru-RU" dirty="0"/>
               <a:t>Инструментальные средства</a:t>
             </a:r>
           </a:p>
@@ -3848,7 +3844,7 @@
             </a:r>
             <a:r>
               <a:rPr lang="ru-RU" dirty="0"/>
-              <a:t> (1) указывает на то, что изменение независимой сущности (2) каким-то образом влияет на зависимую сущность (3).</a:t>
+              <a:t> (1) указывает на то, что изменение независимой сущности (3) каким-то образом влияет на зависимую сущность (2).</a:t>
             </a:r>
           </a:p>
           <a:p>
@@ -4076,7 +4072,7 @@
         </p:nvSpPr>
         <p:spPr>
           <a:xfrm>
-            <a:off x="215516" y="1052736"/>
+            <a:off x="215516" y="962929"/>
             <a:ext cx="8712968" cy="5688632"/>
           </a:xfrm>
         </p:spPr>
@@ -4233,7 +4229,7 @@
             <a:pPr lvl="1" hangingPunct="0"/>
             <a:r>
               <a:rPr lang="ru-RU" sz="1600" dirty="0"/>
-              <a:t>Диаграмма структуры внутренней (</a:t>
+              <a:t>Диаграмма внутренней структуры (</a:t>
             </a:r>
             <a:r>
               <a:rPr lang="ru-RU" sz="1600" dirty="0" err="1"/>
@@ -4808,7 +4804,7 @@
           <a:lstStyle/>
           <a:p>
             <a:r>
-              <a:rPr lang="ru-RU" dirty="0" smtClean="0"/>
+              <a:rPr lang="ru-RU" dirty="0"/>
               <a:t>Элементы диаграммы вариантов использования</a:t>
             </a:r>
             <a:endParaRPr lang="en-US" dirty="0"/>
@@ -4831,7 +4827,7 @@
           <a:lstStyle/>
           <a:p>
             <a:r>
-              <a:rPr lang="ru-RU" dirty="0" smtClean="0"/>
+              <a:rPr lang="ru-RU" dirty="0"/>
               <a:t>Действующие лица</a:t>
             </a:r>
             <a:endParaRPr lang="en-US" dirty="0"/>
@@ -4880,7 +4876,7 @@
           <a:lstStyle/>
           <a:p>
             <a:r>
-              <a:rPr lang="ru-RU" dirty="0" smtClean="0"/>
+              <a:rPr lang="ru-RU" dirty="0"/>
               <a:t>Варианты использования</a:t>
             </a:r>
             <a:endParaRPr lang="en-US" dirty="0"/>
@@ -4961,7 +4957,7 @@
           <a:lstStyle/>
           <a:p>
             <a:r>
-              <a:rPr lang="ru-RU" dirty="0" smtClean="0"/>
+              <a:rPr lang="ru-RU" dirty="0"/>
               <a:t>Ассоциации на диаграмме вариантов использования</a:t>
             </a:r>
             <a:endParaRPr lang="en-US" dirty="0"/>
@@ -5088,12 +5084,8 @@
           <a:lstStyle/>
           <a:p>
             <a:r>
-              <a:rPr lang="ru-RU" dirty="0" smtClean="0"/>
-              <a:t>Обобщения на </a:t>
-            </a:r>
-            <a:r>
-              <a:rPr lang="ru-RU" dirty="0"/>
-              <a:t>диаграмме вариантов использования</a:t>
+              <a:rPr lang="ru-RU" dirty="0"/>
+              <a:t>Обобщения на диаграмме вариантов использования</a:t>
             </a:r>
             <a:endParaRPr lang="en-US" dirty="0"/>
           </a:p>
@@ -5393,28 +5385,16 @@
           </a:p>
           <a:p>
             <a:r>
-              <a:rPr lang="en-US" b="1" dirty="0" smtClean="0"/>
+              <a:rPr lang="en-US" b="1" dirty="0"/>
               <a:t>Modelling</a:t>
             </a:r>
-            <a:endParaRPr lang="ru-RU" b="1" dirty="0" smtClean="0"/>
-          </a:p>
-          <a:p>
-            <a:pPr lvl="1"/>
-            <a:r>
-              <a:rPr lang="ru-RU" dirty="0" smtClean="0"/>
-              <a:t>Моделирование </a:t>
-            </a:r>
-            <a:r>
-              <a:rPr lang="ru-RU" dirty="0"/>
-              <a:t>— исследование объектов познания на их моделях; построение и изучение моделей </a:t>
-            </a:r>
-            <a:r>
-              <a:rPr lang="ru-RU" dirty="0" smtClean="0"/>
-              <a:t>объектов</a:t>
-            </a:r>
-            <a:r>
-              <a:rPr lang="ru-RU" dirty="0"/>
-              <a:t>, процессов или явлений с целью получения объяснений этих явлений, а также для предсказания явлений, интересующих исследователя.</a:t>
+            <a:endParaRPr lang="ru-RU" b="1" dirty="0"/>
+          </a:p>
+          <a:p>
+            <a:pPr lvl="1"/>
+            <a:r>
+              <a:rPr lang="ru-RU" dirty="0"/>
+              <a:t>Моделирование — исследование объектов познания на их моделях; построение и изучение моделей объектов, процессов или явлений с целью получения объяснений этих явлений, а также для предсказания явлений, интересующих исследователя.</a:t>
             </a:r>
           </a:p>
           <a:p>
@@ -5564,7 +5544,7 @@
           <p:cNvPr id="2" name="Заголовок 1">
             <a:extLst>
               <a:ext uri="{FF2B5EF4-FFF2-40B4-BE49-F238E27FC236}">
-                <a16:creationId xmlns:a16="http://schemas.microsoft.com/office/drawing/2014/main" xmlns="" id="{E4F8304F-03DC-4338-8FBA-E8A349E884C6}"/>
+                <a16:creationId xmlns:a16="http://schemas.microsoft.com/office/drawing/2014/main" id="{E4F8304F-03DC-4338-8FBA-E8A349E884C6}"/>
               </a:ext>
             </a:extLst>
           </p:cNvPr>
@@ -5592,7 +5572,7 @@
           <p:cNvPr id="4" name="Объект 3">
             <a:extLst>
               <a:ext uri="{FF2B5EF4-FFF2-40B4-BE49-F238E27FC236}">
-                <a16:creationId xmlns:a16="http://schemas.microsoft.com/office/drawing/2014/main" xmlns="" id="{C0D63AC7-4F70-4DBB-98E2-FF2D7FD451C5}"/>
+                <a16:creationId xmlns:a16="http://schemas.microsoft.com/office/drawing/2014/main" id="{C0D63AC7-4F70-4DBB-98E2-FF2D7FD451C5}"/>
               </a:ext>
             </a:extLst>
           </p:cNvPr>
@@ -5790,7 +5770,7 @@
           <p:cNvPr id="12" name="Объект 11">
             <a:extLst>
               <a:ext uri="{FF2B5EF4-FFF2-40B4-BE49-F238E27FC236}">
-                <a16:creationId xmlns:a16="http://schemas.microsoft.com/office/drawing/2014/main" xmlns="" id="{EF19FBBC-512C-489B-9154-FBC1C395D49B}"/>
+                <a16:creationId xmlns:a16="http://schemas.microsoft.com/office/drawing/2014/main" id="{EF19FBBC-512C-489B-9154-FBC1C395D49B}"/>
               </a:ext>
             </a:extLst>
           </p:cNvPr>
@@ -5852,7 +5832,7 @@
           <p:cNvPr id="2" name="Заголовок 1">
             <a:extLst>
               <a:ext uri="{FF2B5EF4-FFF2-40B4-BE49-F238E27FC236}">
-                <a16:creationId xmlns:a16="http://schemas.microsoft.com/office/drawing/2014/main" xmlns="" id="{98F1D5AF-56B2-42C4-9103-0C6B6A44A679}"/>
+                <a16:creationId xmlns:a16="http://schemas.microsoft.com/office/drawing/2014/main" id="{98F1D5AF-56B2-42C4-9103-0C6B6A44A679}"/>
               </a:ext>
             </a:extLst>
           </p:cNvPr>
@@ -5882,7 +5862,7 @@
           <p:cNvPr id="5" name="Объект 4">
             <a:extLst>
               <a:ext uri="{FF2B5EF4-FFF2-40B4-BE49-F238E27FC236}">
-                <a16:creationId xmlns:a16="http://schemas.microsoft.com/office/drawing/2014/main" xmlns="" id="{79028B18-5A39-40E2-9548-1DC1B6FE660B}"/>
+                <a16:creationId xmlns:a16="http://schemas.microsoft.com/office/drawing/2014/main" id="{79028B18-5A39-40E2-9548-1DC1B6FE660B}"/>
               </a:ext>
             </a:extLst>
           </p:cNvPr>
@@ -5914,7 +5894,7 @@
           <p:cNvPr id="4" name="Объект 3">
             <a:extLst>
               <a:ext uri="{FF2B5EF4-FFF2-40B4-BE49-F238E27FC236}">
-                <a16:creationId xmlns:a16="http://schemas.microsoft.com/office/drawing/2014/main" xmlns="" id="{CA95DA37-A522-4524-8D19-7DEA0262A917}"/>
+                <a16:creationId xmlns:a16="http://schemas.microsoft.com/office/drawing/2014/main" id="{CA95DA37-A522-4524-8D19-7DEA0262A917}"/>
               </a:ext>
             </a:extLst>
           </p:cNvPr>
@@ -6017,7 +5997,7 @@
           <p:cNvPr id="2" name="Заголовок 1">
             <a:extLst>
               <a:ext uri="{FF2B5EF4-FFF2-40B4-BE49-F238E27FC236}">
-                <a16:creationId xmlns:a16="http://schemas.microsoft.com/office/drawing/2014/main" xmlns="" id="{55C8D7E1-520E-4270-A035-4D92DC3591CA}"/>
+                <a16:creationId xmlns:a16="http://schemas.microsoft.com/office/drawing/2014/main" id="{55C8D7E1-520E-4270-A035-4D92DC3591CA}"/>
               </a:ext>
             </a:extLst>
           </p:cNvPr>
@@ -6047,7 +6027,7 @@
           <p:cNvPr id="5" name="Объект 4">
             <a:extLst>
               <a:ext uri="{FF2B5EF4-FFF2-40B4-BE49-F238E27FC236}">
-                <a16:creationId xmlns:a16="http://schemas.microsoft.com/office/drawing/2014/main" xmlns="" id="{E94373C7-E818-496A-9D80-CD74CDA37567}"/>
+                <a16:creationId xmlns:a16="http://schemas.microsoft.com/office/drawing/2014/main" id="{E94373C7-E818-496A-9D80-CD74CDA37567}"/>
               </a:ext>
             </a:extLst>
           </p:cNvPr>
@@ -6079,7 +6059,7 @@
           <p:cNvPr id="4" name="Объект 3">
             <a:extLst>
               <a:ext uri="{FF2B5EF4-FFF2-40B4-BE49-F238E27FC236}">
-                <a16:creationId xmlns:a16="http://schemas.microsoft.com/office/drawing/2014/main" xmlns="" id="{7AE4CB23-0A69-4D3F-A407-D5109000E302}"/>
+                <a16:creationId xmlns:a16="http://schemas.microsoft.com/office/drawing/2014/main" id="{7AE4CB23-0A69-4D3F-A407-D5109000E302}"/>
               </a:ext>
             </a:extLst>
           </p:cNvPr>
@@ -6125,7 +6105,7 @@
             <a:pPr lvl="1"/>
             <a:r>
               <a:rPr lang="ru-RU" dirty="0"/>
-              <a:t>(3) Операция с методом</a:t>
+              <a:t>(3) Операция с параметром</a:t>
             </a:r>
           </a:p>
         </p:txBody>
@@ -6165,7 +6145,7 @@
           <p:cNvPr id="2" name="Заголовок 1">
             <a:extLst>
               <a:ext uri="{FF2B5EF4-FFF2-40B4-BE49-F238E27FC236}">
-                <a16:creationId xmlns:a16="http://schemas.microsoft.com/office/drawing/2014/main" xmlns="" id="{FD1E94D9-3516-462E-8CA6-1BA5421F0085}"/>
+                <a16:creationId xmlns:a16="http://schemas.microsoft.com/office/drawing/2014/main" id="{FD1E94D9-3516-462E-8CA6-1BA5421F0085}"/>
               </a:ext>
             </a:extLst>
           </p:cNvPr>
@@ -6184,10 +6164,9 @@
           <a:lstStyle/>
           <a:p>
             <a:r>
-              <a:rPr lang="ru-RU" dirty="0" smtClean="0"/>
+              <a:rPr lang="ru-RU" dirty="0"/>
               <a:t>Отношение ассоциации</a:t>
             </a:r>
-            <a:endParaRPr lang="ru-RU" dirty="0"/>
           </a:p>
         </p:txBody>
       </p:sp>
@@ -6196,7 +6175,7 @@
           <p:cNvPr id="5" name="Объект 4">
             <a:extLst>
               <a:ext uri="{FF2B5EF4-FFF2-40B4-BE49-F238E27FC236}">
-                <a16:creationId xmlns:a16="http://schemas.microsoft.com/office/drawing/2014/main" xmlns="" id="{98B9D8A8-3C07-4523-8103-644E1691E420}"/>
+                <a16:creationId xmlns:a16="http://schemas.microsoft.com/office/drawing/2014/main" id="{98B9D8A8-3C07-4523-8103-644E1691E420}"/>
               </a:ext>
             </a:extLst>
           </p:cNvPr>
@@ -6228,7 +6207,7 @@
           <p:cNvPr id="4" name="Объект 3">
             <a:extLst>
               <a:ext uri="{FF2B5EF4-FFF2-40B4-BE49-F238E27FC236}">
-                <a16:creationId xmlns:a16="http://schemas.microsoft.com/office/drawing/2014/main" xmlns="" id="{531202F4-5534-4139-81F0-F60ADB11CDB7}"/>
+                <a16:creationId xmlns:a16="http://schemas.microsoft.com/office/drawing/2014/main" id="{531202F4-5534-4139-81F0-F60ADB11CDB7}"/>
               </a:ext>
             </a:extLst>
           </p:cNvPr>
@@ -6344,12 +6323,8 @@
           <a:lstStyle/>
           <a:p>
             <a:r>
-              <a:rPr lang="ru-RU" dirty="0" smtClean="0"/>
-              <a:t>Агрегация </a:t>
-            </a:r>
-            <a:r>
-              <a:rPr lang="ru-RU" dirty="0"/>
-              <a:t>и композиция</a:t>
+              <a:rPr lang="ru-RU" dirty="0"/>
+              <a:t>Агрегация и композиция</a:t>
             </a:r>
             <a:endParaRPr lang="en-US" dirty="0"/>
           </a:p>
@@ -6409,19 +6384,7 @@
             </a:r>
             <a:r>
               <a:rPr lang="ru-RU" dirty="0"/>
-              <a:t> </a:t>
-            </a:r>
-            <a:r>
-              <a:rPr lang="ru-RU" dirty="0" smtClean="0"/>
-              <a:t>(1) </a:t>
-            </a:r>
-            <a:r>
-              <a:rPr lang="ru-RU" dirty="0"/>
-              <a:t>‒ это ассоциация между классом A (часть) и классом B (целое), которая означает, что экземпляры (один или несколько) класса A входят в состав экземпляра класса </a:t>
-            </a:r>
-            <a:r>
-              <a:rPr lang="ru-RU" dirty="0" smtClean="0"/>
-              <a:t>B</a:t>
+              <a:t> (1) ‒ это ассоциация между классом A (часть) и классом B (целое), которая означает, что экземпляры (один или несколько) класса A входят в состав экземпляра класса B</a:t>
             </a:r>
           </a:p>
           <a:p>
@@ -6431,46 +6394,26 @@
             </a:r>
             <a:r>
               <a:rPr lang="ru-RU" dirty="0"/>
-              <a:t> </a:t>
-            </a:r>
-            <a:r>
-              <a:rPr lang="ru-RU" dirty="0" smtClean="0"/>
-              <a:t>(2) </a:t>
-            </a:r>
-            <a:r>
-              <a:rPr lang="ru-RU" dirty="0"/>
-              <a:t>‒ это ассоциация между классом A (часть) и классом B (целое), </a:t>
-            </a:r>
-            <a:r>
-              <a:rPr lang="ru-RU" dirty="0" smtClean="0"/>
-              <a:t>означающая, что часть </a:t>
-            </a:r>
-            <a:r>
-              <a:rPr lang="ru-RU" dirty="0"/>
-              <a:t>A может входить только в одно целое B, часть существует, только пока существует целое и прекращает свое существование вместе с целым</a:t>
-            </a:r>
-            <a:r>
-              <a:rPr lang="ru-RU" dirty="0" smtClean="0"/>
-              <a:t>.</a:t>
-            </a:r>
-          </a:p>
-          <a:p>
-            <a:r>
-              <a:rPr lang="ru-RU" b="1" dirty="0" smtClean="0"/>
+              <a:t> (2) ‒ это ассоциация между классом A (часть) и классом B (целое), означающая, что часть A может входить только в одно целое B, часть существует, только пока существует целое и прекращает свое существование вместе с целым.</a:t>
+            </a:r>
+          </a:p>
+          <a:p>
+            <a:r>
+              <a:rPr lang="ru-RU" b="1" dirty="0"/>
               <a:t>Производная ассоциация </a:t>
             </a:r>
             <a:r>
-              <a:rPr lang="ru-RU" dirty="0" smtClean="0"/>
+              <a:rPr lang="ru-RU" dirty="0"/>
               <a:t>(3) – ассоциация, которая может быть вычислена по другим элементам</a:t>
             </a:r>
           </a:p>
           <a:p>
             <a:r>
-              <a:rPr lang="ru-RU" b="1" dirty="0" smtClean="0"/>
+              <a:rPr lang="ru-RU" b="1" dirty="0"/>
               <a:t>Многополюсная ассоциация </a:t>
             </a:r>
             <a:r>
-              <a:rPr lang="ru-RU" dirty="0" smtClean="0"/>
+              <a:rPr lang="ru-RU" dirty="0"/>
               <a:t>(4) связывает более двух сущностей</a:t>
             </a:r>
           </a:p>
@@ -6481,15 +6424,7 @@
             </a:r>
             <a:r>
               <a:rPr lang="ru-RU" dirty="0"/>
-              <a:t> </a:t>
-            </a:r>
-            <a:r>
-              <a:rPr lang="ru-RU" dirty="0" smtClean="0"/>
-              <a:t>(5) </a:t>
-            </a:r>
-            <a:r>
-              <a:rPr lang="ru-RU" dirty="0"/>
-              <a:t>‒ это сущность, которая является ассоциацией, но также имеет в своем составе составляющие класса.</a:t>
+              <a:t> (5) ‒ это сущность, которая является ассоциацией, но также имеет в своем составе составляющие класса.</a:t>
             </a:r>
             <a:endParaRPr lang="en-US" dirty="0"/>
           </a:p>
@@ -6693,12 +6628,8 @@
           <a:lstStyle/>
           <a:p>
             <a:r>
-              <a:rPr lang="ru-RU" dirty="0" smtClean="0"/>
-              <a:t>Элементы диаграммы </a:t>
-            </a:r>
-            <a:r>
-              <a:rPr lang="ru-RU" dirty="0"/>
-              <a:t>деятельности</a:t>
+              <a:rPr lang="ru-RU" dirty="0"/>
+              <a:t>Элементы диаграммы деятельности</a:t>
             </a:r>
             <a:endParaRPr lang="en-US" dirty="0"/>
           </a:p>
@@ -6751,62 +6682,62 @@
           <a:lstStyle/>
           <a:p>
             <a:r>
-              <a:rPr lang="ru-RU" dirty="0" smtClean="0"/>
+              <a:rPr lang="ru-RU" dirty="0"/>
               <a:t>Старт</a:t>
             </a:r>
           </a:p>
           <a:p>
             <a:r>
-              <a:rPr lang="ru-RU" dirty="0" smtClean="0"/>
+              <a:rPr lang="ru-RU" dirty="0"/>
               <a:t>Развилка</a:t>
             </a:r>
           </a:p>
           <a:p>
             <a:pPr lvl="1"/>
             <a:r>
-              <a:rPr lang="en-US" dirty="0" smtClean="0"/>
+              <a:rPr lang="en-US" dirty="0"/>
               <a:t>[</a:t>
             </a:r>
             <a:r>
-              <a:rPr lang="ru-RU" dirty="0" smtClean="0"/>
+              <a:rPr lang="ru-RU" dirty="0"/>
               <a:t>условие</a:t>
             </a:r>
             <a:r>
-              <a:rPr lang="en-US" dirty="0" smtClean="0"/>
+              <a:rPr lang="en-US" dirty="0"/>
               <a:t>]</a:t>
             </a:r>
-            <a:endParaRPr lang="ru-RU" dirty="0" smtClean="0"/>
-          </a:p>
-          <a:p>
-            <a:r>
-              <a:rPr lang="ru-RU" dirty="0" smtClean="0"/>
+            <a:endParaRPr lang="ru-RU" dirty="0"/>
+          </a:p>
+          <a:p>
+            <a:r>
+              <a:rPr lang="ru-RU" dirty="0"/>
               <a:t>Действие</a:t>
             </a:r>
           </a:p>
           <a:p>
             <a:r>
-              <a:rPr lang="ru-RU" dirty="0" smtClean="0"/>
+              <a:rPr lang="ru-RU" dirty="0"/>
               <a:t>Завершение</a:t>
             </a:r>
           </a:p>
           <a:p>
             <a:pPr lvl="1"/>
             <a:r>
-              <a:rPr lang="ru-RU" dirty="0" smtClean="0"/>
+              <a:rPr lang="ru-RU" dirty="0"/>
               <a:t>Нормальное (1)</a:t>
             </a:r>
           </a:p>
           <a:p>
             <a:pPr lvl="1"/>
             <a:r>
-              <a:rPr lang="ru-RU" dirty="0" smtClean="0"/>
+              <a:rPr lang="ru-RU" dirty="0"/>
               <a:t>Исключительная ситуация (2)</a:t>
             </a:r>
           </a:p>
           <a:p>
             <a:pPr lvl="1"/>
             <a:r>
-              <a:rPr lang="ru-RU" dirty="0" smtClean="0"/>
+              <a:rPr lang="ru-RU" dirty="0"/>
               <a:t>Завершение без видимого результата (3)</a:t>
             </a:r>
           </a:p>
@@ -7728,10 +7659,6 @@
               <a:rPr lang="en-US" dirty="0"/>
               <a:t>, </a:t>
             </a:r>
-            <a:r>
-              <a:rPr lang="ru-RU" dirty="0"/>
-              <a:t/>
-            </a:r>
             <a:br>
               <a:rPr lang="ru-RU" dirty="0"/>
             </a:br>
@@ -7771,10 +7698,6 @@
               <a:rPr lang="en-US" dirty="0"/>
               <a:t>,</a:t>
             </a:r>
-            <a:r>
-              <a:rPr lang="ru-RU" dirty="0"/>
-              <a:t/>
-            </a:r>
             <a:br>
               <a:rPr lang="ru-RU" dirty="0"/>
             </a:br>
@@ -7804,23 +7727,15 @@
             </a:r>
             <a:r>
               <a:rPr lang="en-US" dirty="0"/>
-              <a:t>, 13 </a:t>
-            </a:r>
-            <a:r>
-              <a:rPr lang="en-US" dirty="0" smtClean="0"/>
-              <a:t>– </a:t>
-            </a:r>
-            <a:r>
-              <a:rPr lang="ru-RU" dirty="0" smtClean="0"/>
+              <a:t>, 13 – </a:t>
+            </a:r>
+            <a:r>
+              <a:rPr lang="ru-RU" dirty="0"/>
               <a:t>Составной шаг</a:t>
             </a:r>
             <a:r>
-              <a:rPr lang="en-US" dirty="0" smtClean="0"/>
-              <a:t>, </a:t>
-            </a:r>
-            <a:r>
               <a:rPr lang="en-US" dirty="0"/>
-              <a:t>14 – </a:t>
+              <a:t>, 14 – </a:t>
             </a:r>
             <a:r>
               <a:rPr lang="ru-RU" dirty="0"/>
@@ -9419,23 +9334,7 @@
           <a:p>
             <a:r>
               <a:rPr lang="ru-RU" dirty="0"/>
-              <a:t>UML – это </a:t>
-            </a:r>
-            <a:r>
-              <a:rPr lang="ru-RU" dirty="0" smtClean="0"/>
-              <a:t>графический </a:t>
-            </a:r>
-            <a:r>
-              <a:rPr lang="ru-RU" dirty="0"/>
-              <a:t>язык моделирования общего </a:t>
-            </a:r>
-            <a:r>
-              <a:rPr lang="ru-RU" dirty="0" smtClean="0"/>
-              <a:t>назначения, предназначенный для </a:t>
-            </a:r>
-            <a:r>
-              <a:rPr lang="ru-RU" dirty="0"/>
-              <a:t>специфицирования, визуализации, конструирования и документирования программных систем, а так же бизнес моделей и прочих не программных систем.</a:t>
+              <a:t>UML – это графический язык моделирования общего назначения, предназначенный для специфицирования, визуализации, конструирования и документирования программных систем, а так же бизнес моделей и прочих не программных систем.</a:t>
             </a:r>
           </a:p>
           <a:p>
@@ -9705,10 +9604,9 @@
               <a:t>UML </a:t>
             </a:r>
             <a:r>
-              <a:rPr lang="ru-RU" dirty="0" smtClean="0"/>
+              <a:rPr lang="ru-RU" dirty="0"/>
               <a:t>инструменты</a:t>
             </a:r>
-            <a:endParaRPr lang="ru-RU" dirty="0"/>
           </a:p>
         </p:txBody>
       </p:sp>
@@ -9736,46 +9634,42 @@
           <a:p>
             <a:pPr fontAlgn="base"/>
             <a:r>
-              <a:rPr lang="ru-RU" dirty="0" smtClean="0"/>
+              <a:rPr lang="ru-RU" dirty="0"/>
               <a:t>Любые изобразительные средства:</a:t>
             </a:r>
           </a:p>
           <a:p>
             <a:pPr lvl="1" fontAlgn="base"/>
             <a:r>
-              <a:rPr lang="ru-RU" dirty="0" smtClean="0"/>
+              <a:rPr lang="ru-RU" dirty="0"/>
               <a:t>Бумага + пишущие принадлежности</a:t>
             </a:r>
           </a:p>
           <a:p>
             <a:pPr lvl="1" fontAlgn="base"/>
             <a:r>
-              <a:rPr lang="ru-RU" dirty="0" smtClean="0"/>
+              <a:rPr lang="ru-RU" dirty="0"/>
               <a:t>Доска + маркеры</a:t>
             </a:r>
           </a:p>
           <a:p>
             <a:pPr fontAlgn="base"/>
             <a:r>
-              <a:rPr lang="ru-RU" dirty="0" smtClean="0">
+              <a:rPr lang="ru-RU" dirty="0">
                 <a:hlinkClick r:id="rId2"/>
               </a:rPr>
               <a:t>Программные продукты</a:t>
             </a:r>
             <a:r>
-              <a:rPr lang="ru-RU" dirty="0" smtClean="0"/>
+              <a:rPr lang="ru-RU" dirty="0"/>
               <a:t>:</a:t>
             </a:r>
           </a:p>
           <a:p>
             <a:pPr lvl="1" fontAlgn="base"/>
             <a:r>
-              <a:rPr lang="en-US" dirty="0" smtClean="0"/>
-              <a:t>Rational </a:t>
-            </a:r>
-            <a:r>
               <a:rPr lang="en-US" dirty="0"/>
-              <a:t>Software – </a:t>
+              <a:t>Rational Software – </a:t>
             </a:r>
             <a:r>
               <a:rPr lang="ru-RU" dirty="0"/>
@@ -9791,14 +9685,10 @@
             </a:r>
             <a:r>
               <a:rPr lang="en-US" dirty="0"/>
-              <a:t>Rational </a:t>
-            </a:r>
-            <a:r>
-              <a:rPr lang="en-US" dirty="0" smtClean="0"/>
-              <a:t>Rose</a:t>
-            </a:r>
-            <a:r>
-              <a:rPr lang="ru-RU" dirty="0" smtClean="0"/>
+              <a:t>Rational Rose</a:t>
+            </a:r>
+            <a:r>
+              <a:rPr lang="ru-RU" dirty="0"/>
               <a:t>.</a:t>
             </a:r>
             <a:endParaRPr lang="en-US" dirty="0"/>
@@ -9807,33 +9697,21 @@
             <a:pPr lvl="1" fontAlgn="base"/>
             <a:r>
               <a:rPr lang="en-US" dirty="0"/>
-              <a:t>Free UML </a:t>
-            </a:r>
-            <a:r>
-              <a:rPr lang="en-US" dirty="0" smtClean="0"/>
-              <a:t>Tool</a:t>
-            </a:r>
-            <a:r>
-              <a:rPr lang="ru-RU" dirty="0" smtClean="0"/>
+              <a:t>Free UML Tool</a:t>
+            </a:r>
+            <a:r>
+              <a:rPr lang="ru-RU" dirty="0"/>
               <a:t>.</a:t>
             </a:r>
           </a:p>
           <a:p>
             <a:pPr lvl="1" fontAlgn="base"/>
             <a:r>
-              <a:rPr lang="en-US" dirty="0" smtClean="0"/>
-              <a:t>White </a:t>
-            </a:r>
-            <a:r>
               <a:rPr lang="en-US" dirty="0"/>
-              <a:t>Star </a:t>
-            </a:r>
-            <a:r>
-              <a:rPr lang="en-US" dirty="0" smtClean="0"/>
-              <a:t>UML</a:t>
-            </a:r>
-            <a:r>
-              <a:rPr lang="ru-RU" dirty="0" smtClean="0"/>
+              <a:t>White Star UML</a:t>
+            </a:r>
+            <a:r>
+              <a:rPr lang="ru-RU" dirty="0"/>
               <a:t>.</a:t>
             </a:r>
             <a:endParaRPr lang="en-US" dirty="0"/>
@@ -9845,7 +9723,7 @@
               <a:t>Violet UML editor</a:t>
             </a:r>
             <a:r>
-              <a:rPr lang="ru-RU" dirty="0" smtClean="0"/>
+              <a:rPr lang="ru-RU" dirty="0"/>
               <a:t>.</a:t>
             </a:r>
             <a:endParaRPr lang="en-US" dirty="0"/>
@@ -9980,7 +9858,7 @@
           <a:lstStyle/>
           <a:p>
             <a:r>
-              <a:rPr lang="ru-RU" dirty="0" smtClean="0"/>
+              <a:rPr lang="ru-RU" dirty="0"/>
               <a:t>И напоследок: Угадайте, что это?</a:t>
             </a:r>
             <a:endParaRPr lang="en-US" dirty="0"/>
@@ -10078,7 +9956,7 @@
           <a:lstStyle/>
           <a:p>
             <a:r>
-              <a:rPr lang="ru-RU" dirty="0" smtClean="0"/>
+              <a:rPr lang="ru-RU" dirty="0"/>
               <a:t>А теперь немного в другом аспекте</a:t>
             </a:r>
             <a:endParaRPr lang="en-US" dirty="0"/>
@@ -10197,7 +10075,7 @@
         <p:spPr/>
         <p:txBody>
           <a:bodyPr>
-            <a:normAutofit fontScale="62500" lnSpcReduction="20000"/>
+            <a:normAutofit fontScale="55000" lnSpcReduction="20000"/>
           </a:bodyPr>
           <a:lstStyle/>
           <a:p>
@@ -10214,7 +10092,7 @@
             <a:pPr lvl="1"/>
             <a:r>
               <a:rPr lang="ru-RU" dirty="0"/>
-              <a:t>Даже простое позволяет упорядочить мысли и зафиксировать для себя существенную информацию о моделируемом приложении или иной системе.</a:t>
+              <a:t>Даже простая визуализация позволяет упорядочить мысли и зафиксировать для себя существенную информацию о моделируемом приложении или иной системе.</a:t>
             </a:r>
           </a:p>
           <a:p>
@@ -10726,20 +10604,8 @@
           </a:p>
           <a:p>
             <a:r>
-              <a:rPr lang="ru-RU" dirty="0" smtClean="0"/>
-              <a:t>Иными словами, модель </a:t>
-            </a:r>
-            <a:r>
-              <a:rPr lang="ru-RU" dirty="0"/>
-              <a:t>UML</a:t>
-            </a:r>
-            <a:r>
-              <a:rPr lang="ru-RU" dirty="0" smtClean="0"/>
-              <a:t>, </a:t>
-            </a:r>
-            <a:r>
-              <a:rPr lang="ru-RU" dirty="0"/>
-              <a:t>можно считать своеобразным графом, в котором вершины и ребра нагружены дополнительной информацией и могут иметь сложную внутреннюю структуру. </a:t>
+              <a:rPr lang="ru-RU" dirty="0"/>
+              <a:t>Иными словами, модель UML, можно считать своеобразным графом, в котором вершины и ребра нагружены дополнительной информацией и могут иметь сложную внутреннюю структуру. </a:t>
             </a:r>
             <a:r>
               <a:rPr lang="ru-RU" b="1" dirty="0"/>
